--- a/proj1/apresentacao/apr1.pptx
+++ b/proj1/apresentacao/apr1.pptx
@@ -5,7 +5,7 @@
     <p:sldMasterId id="2147483660" r:id="rId1"/>
   </p:sldMasterIdLst>
   <p:notesMasterIdLst>
-    <p:notesMasterId r:id="rId8"/>
+    <p:notesMasterId r:id="rId11"/>
   </p:notesMasterIdLst>
   <p:sldIdLst>
     <p:sldId id="256" r:id="rId2"/>
@@ -14,6 +14,9 @@
     <p:sldId id="260" r:id="rId5"/>
     <p:sldId id="261" r:id="rId6"/>
     <p:sldId id="262" r:id="rId7"/>
+    <p:sldId id="264" r:id="rId8"/>
+    <p:sldId id="265" r:id="rId9"/>
+    <p:sldId id="263" r:id="rId10"/>
   </p:sldIdLst>
   <p:sldSz cx="12192000" cy="6858000"/>
   <p:notesSz cx="6858000" cy="9144000"/>
@@ -112,6 +115,11 @@
       </a:defRPr>
     </a:lvl9pPr>
   </p:defaultTextStyle>
+  <p:extLst>
+    <p:ext uri="{EFAFB233-063F-42B5-8137-9DF3F51BA10A}">
+      <p15:sldGuideLst xmlns:p15="http://schemas.microsoft.com/office/powerpoint/2012/main"/>
+    </p:ext>
+  </p:extLst>
 </p:presentation>
 </file>
 
@@ -1941,6 +1949,202 @@
     <p:extLst>
       <p:ext uri="{BB962C8B-B14F-4D97-AF65-F5344CB8AC3E}">
         <p14:creationId xmlns:p14="http://schemas.microsoft.com/office/powerpoint/2010/main" val="2191843090"/>
+      </p:ext>
+    </p:extLst>
+  </p:cSld>
+  <p:clrMapOvr>
+    <a:masterClrMapping/>
+  </p:clrMapOvr>
+</p:notes>
+</file>
+
+<file path=ppt/notesSlides/notesSlide6.xml><?xml version="1.0" encoding="utf-8"?>
+<p:notes xmlns:a="http://schemas.openxmlformats.org/drawingml/2006/main" xmlns:r="http://schemas.openxmlformats.org/officeDocument/2006/relationships" xmlns:p="http://schemas.openxmlformats.org/presentationml/2006/main">
+  <p:cSld>
+    <p:spTree>
+      <p:nvGrpSpPr>
+        <p:cNvPr id="1" name=""/>
+        <p:cNvGrpSpPr/>
+        <p:nvPr/>
+      </p:nvGrpSpPr>
+      <p:grpSpPr>
+        <a:xfrm>
+          <a:off x="0" y="0"/>
+          <a:ext cx="0" cy="0"/>
+          <a:chOff x="0" y="0"/>
+          <a:chExt cx="0" cy="0"/>
+        </a:xfrm>
+      </p:grpSpPr>
+      <p:sp>
+        <p:nvSpPr>
+          <p:cNvPr id="2" name="Marcador de Posição da Imagem do Diapositivo 1"/>
+          <p:cNvSpPr>
+            <a:spLocks noGrp="1" noRot="1" noChangeAspect="1"/>
+          </p:cNvSpPr>
+          <p:nvPr>
+            <p:ph type="sldImg"/>
+          </p:nvPr>
+        </p:nvSpPr>
+        <p:spPr/>
+      </p:sp>
+      <p:sp>
+        <p:nvSpPr>
+          <p:cNvPr id="3" name="Marcador de Posição de Notas 2"/>
+          <p:cNvSpPr>
+            <a:spLocks noGrp="1"/>
+          </p:cNvSpPr>
+          <p:nvPr>
+            <p:ph type="body" idx="1"/>
+          </p:nvPr>
+        </p:nvSpPr>
+        <p:spPr/>
+        <p:txBody>
+          <a:bodyPr/>
+          <a:lstStyle/>
+          <a:p>
+            <a:endParaRPr lang="en-US" dirty="0"/>
+          </a:p>
+          <a:p>
+            <a:pPr marL="0" indent="0">
+              <a:buFontTx/>
+              <a:buNone/>
+            </a:pPr>
+            <a:endParaRPr lang="en-US" dirty="0"/>
+          </a:p>
+          <a:p>
+            <a:pPr marL="0" indent="0">
+              <a:buFontTx/>
+              <a:buNone/>
+            </a:pPr>
+            <a:endParaRPr lang="en-US" dirty="0"/>
+          </a:p>
+        </p:txBody>
+      </p:sp>
+      <p:sp>
+        <p:nvSpPr>
+          <p:cNvPr id="4" name="Marcador de Posição do Número do Diapositivo 3"/>
+          <p:cNvSpPr>
+            <a:spLocks noGrp="1"/>
+          </p:cNvSpPr>
+          <p:nvPr>
+            <p:ph type="sldNum" sz="quarter" idx="5"/>
+          </p:nvPr>
+        </p:nvSpPr>
+        <p:spPr/>
+        <p:txBody>
+          <a:bodyPr/>
+          <a:lstStyle/>
+          <a:p>
+            <a:fld id="{CCE60D6D-ECF3-4DDF-8762-08944876C615}" type="slidenum">
+              <a:rPr lang="en-US" smtClean="0"/>
+              <a:t>7</a:t>
+            </a:fld>
+            <a:endParaRPr lang="en-US"/>
+          </a:p>
+        </p:txBody>
+      </p:sp>
+    </p:spTree>
+    <p:extLst>
+      <p:ext uri="{BB962C8B-B14F-4D97-AF65-F5344CB8AC3E}">
+        <p14:creationId xmlns:p14="http://schemas.microsoft.com/office/powerpoint/2010/main" val="1193643698"/>
+      </p:ext>
+    </p:extLst>
+  </p:cSld>
+  <p:clrMapOvr>
+    <a:masterClrMapping/>
+  </p:clrMapOvr>
+</p:notes>
+</file>
+
+<file path=ppt/notesSlides/notesSlide7.xml><?xml version="1.0" encoding="utf-8"?>
+<p:notes xmlns:a="http://schemas.openxmlformats.org/drawingml/2006/main" xmlns:r="http://schemas.openxmlformats.org/officeDocument/2006/relationships" xmlns:p="http://schemas.openxmlformats.org/presentationml/2006/main">
+  <p:cSld>
+    <p:spTree>
+      <p:nvGrpSpPr>
+        <p:cNvPr id="1" name=""/>
+        <p:cNvGrpSpPr/>
+        <p:nvPr/>
+      </p:nvGrpSpPr>
+      <p:grpSpPr>
+        <a:xfrm>
+          <a:off x="0" y="0"/>
+          <a:ext cx="0" cy="0"/>
+          <a:chOff x="0" y="0"/>
+          <a:chExt cx="0" cy="0"/>
+        </a:xfrm>
+      </p:grpSpPr>
+      <p:sp>
+        <p:nvSpPr>
+          <p:cNvPr id="2" name="Marcador de Posição da Imagem do Diapositivo 1"/>
+          <p:cNvSpPr>
+            <a:spLocks noGrp="1" noRot="1" noChangeAspect="1"/>
+          </p:cNvSpPr>
+          <p:nvPr>
+            <p:ph type="sldImg"/>
+          </p:nvPr>
+        </p:nvSpPr>
+        <p:spPr/>
+      </p:sp>
+      <p:sp>
+        <p:nvSpPr>
+          <p:cNvPr id="3" name="Marcador de Posição de Notas 2"/>
+          <p:cNvSpPr>
+            <a:spLocks noGrp="1"/>
+          </p:cNvSpPr>
+          <p:nvPr>
+            <p:ph type="body" idx="1"/>
+          </p:nvPr>
+        </p:nvSpPr>
+        <p:spPr/>
+        <p:txBody>
+          <a:bodyPr/>
+          <a:lstStyle/>
+          <a:p>
+            <a:endParaRPr lang="en-US" dirty="0"/>
+          </a:p>
+          <a:p>
+            <a:pPr marL="0" indent="0">
+              <a:buFontTx/>
+              <a:buNone/>
+            </a:pPr>
+            <a:endParaRPr lang="en-US" dirty="0"/>
+          </a:p>
+          <a:p>
+            <a:pPr marL="0" indent="0">
+              <a:buFontTx/>
+              <a:buNone/>
+            </a:pPr>
+            <a:endParaRPr lang="en-US" dirty="0"/>
+          </a:p>
+        </p:txBody>
+      </p:sp>
+      <p:sp>
+        <p:nvSpPr>
+          <p:cNvPr id="4" name="Marcador de Posição do Número do Diapositivo 3"/>
+          <p:cNvSpPr>
+            <a:spLocks noGrp="1"/>
+          </p:cNvSpPr>
+          <p:nvPr>
+            <p:ph type="sldNum" sz="quarter" idx="5"/>
+          </p:nvPr>
+        </p:nvSpPr>
+        <p:spPr/>
+        <p:txBody>
+          <a:bodyPr/>
+          <a:lstStyle/>
+          <a:p>
+            <a:fld id="{CCE60D6D-ECF3-4DDF-8762-08944876C615}" type="slidenum">
+              <a:rPr lang="en-US" smtClean="0"/>
+              <a:t>8</a:t>
+            </a:fld>
+            <a:endParaRPr lang="en-US"/>
+          </a:p>
+        </p:txBody>
+      </p:sp>
+    </p:spTree>
+    <p:extLst>
+      <p:ext uri="{BB962C8B-B14F-4D97-AF65-F5344CB8AC3E}">
+        <p14:creationId xmlns:p14="http://schemas.microsoft.com/office/powerpoint/2010/main" val="904901019"/>
       </p:ext>
     </p:extLst>
   </p:cSld>
@@ -14305,7 +14509,7 @@
             </a:r>
             <a:r>
               <a:rPr lang="en-US" dirty="0" err="1"/>
-              <a:t>melonomas</a:t>
+              <a:t>melAnomas</a:t>
             </a:r>
             <a:endParaRPr lang="en-US" dirty="0"/>
           </a:p>
@@ -14473,7 +14677,7 @@
             </a:r>
             <a:r>
               <a:rPr lang="en-US" dirty="0" err="1"/>
-              <a:t>melonomas</a:t>
+              <a:t>melAnomas</a:t>
             </a:r>
             <a:r>
               <a:rPr lang="en-US" dirty="0"/>
@@ -15508,7 +15712,7 @@
         <p:spPr>
           <a:xfrm>
             <a:off x="1315092" y="3203272"/>
-            <a:ext cx="3559179" cy="369332"/>
+            <a:ext cx="5233484" cy="369332"/>
           </a:xfrm>
           <a:prstGeom prst="rect">
             <a:avLst/>
@@ -15523,15 +15727,7 @@
           <a:p>
             <a:r>
               <a:rPr lang="en-US" dirty="0" err="1"/>
-              <a:t>Fluxo</a:t>
-            </a:r>
-            <a:r>
-              <a:rPr lang="en-US" dirty="0"/>
-              <a:t> de </a:t>
-            </a:r>
-            <a:r>
-              <a:rPr lang="en-US" dirty="0" err="1"/>
-              <a:t>criação</a:t>
+              <a:t>Criação</a:t>
             </a:r>
             <a:r>
               <a:rPr lang="en-US" dirty="0"/>
@@ -15543,8 +15739,49 @@
             </a:r>
             <a:r>
               <a:rPr lang="en-US" dirty="0"/>
-              <a:t> de teste</a:t>
-            </a:r>
+              <a:t> </a:t>
+            </a:r>
+            <a:r>
+              <a:rPr lang="pt-PT" dirty="0"/>
+              <a:t>de reconhecimento de melanomas</a:t>
+            </a:r>
+            <a:endParaRPr lang="en-US" dirty="0"/>
+          </a:p>
+        </p:txBody>
+      </p:sp>
+      <p:sp>
+        <p:nvSpPr>
+          <p:cNvPr id="3" name="CaixaDeTexto 2">
+            <a:extLst>
+              <a:ext uri="{FF2B5EF4-FFF2-40B4-BE49-F238E27FC236}">
+                <a16:creationId xmlns:a16="http://schemas.microsoft.com/office/drawing/2014/main" id="{04408226-0E39-F126-A270-9E3BE4BFA6B1}"/>
+              </a:ext>
+            </a:extLst>
+          </p:cNvPr>
+          <p:cNvSpPr txBox="1"/>
+          <p:nvPr/>
+        </p:nvSpPr>
+        <p:spPr>
+          <a:xfrm>
+            <a:off x="1315092" y="3756364"/>
+            <a:ext cx="2223686" cy="369332"/>
+          </a:xfrm>
+          <a:prstGeom prst="rect">
+            <a:avLst/>
+          </a:prstGeom>
+          <a:noFill/>
+        </p:spPr>
+        <p:txBody>
+          <a:bodyPr wrap="none" rtlCol="0">
+            <a:spAutoFit/>
+          </a:bodyPr>
+          <a:lstStyle/>
+          <a:p>
+            <a:r>
+              <a:rPr lang="pt-PT" dirty="0"/>
+              <a:t>Análise dos resultados</a:t>
+            </a:r>
+            <a:endParaRPr lang="en-US" dirty="0"/>
           </a:p>
         </p:txBody>
       </p:sp>
@@ -15863,6 +16100,105 @@
                       </p:childTnLst>
                     </p:cTn>
                   </p:par>
+                  <p:par>
+                    <p:cTn id="24" fill="hold">
+                      <p:stCondLst>
+                        <p:cond delay="indefinite"/>
+                      </p:stCondLst>
+                      <p:childTnLst>
+                        <p:par>
+                          <p:cTn id="25" fill="hold">
+                            <p:stCondLst>
+                              <p:cond delay="0"/>
+                            </p:stCondLst>
+                            <p:childTnLst>
+                              <p:par>
+                                <p:cTn id="26" presetID="42" presetClass="entr" presetSubtype="0" fill="hold" grpId="0" nodeType="clickEffect">
+                                  <p:stCondLst>
+                                    <p:cond delay="0"/>
+                                  </p:stCondLst>
+                                  <p:childTnLst>
+                                    <p:set>
+                                      <p:cBhvr>
+                                        <p:cTn id="27" dur="1" fill="hold">
+                                          <p:stCondLst>
+                                            <p:cond delay="0"/>
+                                          </p:stCondLst>
+                                        </p:cTn>
+                                        <p:tgtEl>
+                                          <p:spTgt spid="3"/>
+                                        </p:tgtEl>
+                                        <p:attrNameLst>
+                                          <p:attrName>style.visibility</p:attrName>
+                                        </p:attrNameLst>
+                                      </p:cBhvr>
+                                      <p:to>
+                                        <p:strVal val="visible"/>
+                                      </p:to>
+                                    </p:set>
+                                    <p:animEffect transition="in" filter="fade">
+                                      <p:cBhvr>
+                                        <p:cTn id="28" dur="1000"/>
+                                        <p:tgtEl>
+                                          <p:spTgt spid="3"/>
+                                        </p:tgtEl>
+                                      </p:cBhvr>
+                                    </p:animEffect>
+                                    <p:anim calcmode="lin" valueType="num">
+                                      <p:cBhvr>
+                                        <p:cTn id="29" dur="1000" fill="hold"/>
+                                        <p:tgtEl>
+                                          <p:spTgt spid="3"/>
+                                        </p:tgtEl>
+                                        <p:attrNameLst>
+                                          <p:attrName>ppt_x</p:attrName>
+                                        </p:attrNameLst>
+                                      </p:cBhvr>
+                                      <p:tavLst>
+                                        <p:tav tm="0">
+                                          <p:val>
+                                            <p:strVal val="#ppt_x"/>
+                                          </p:val>
+                                        </p:tav>
+                                        <p:tav tm="100000">
+                                          <p:val>
+                                            <p:strVal val="#ppt_x"/>
+                                          </p:val>
+                                        </p:tav>
+                                      </p:tavLst>
+                                    </p:anim>
+                                    <p:anim calcmode="lin" valueType="num">
+                                      <p:cBhvr>
+                                        <p:cTn id="30" dur="1000" fill="hold"/>
+                                        <p:tgtEl>
+                                          <p:spTgt spid="3"/>
+                                        </p:tgtEl>
+                                        <p:attrNameLst>
+                                          <p:attrName>ppt_y</p:attrName>
+                                        </p:attrNameLst>
+                                      </p:cBhvr>
+                                      <p:tavLst>
+                                        <p:tav tm="0">
+                                          <p:val>
+                                            <p:strVal val="#ppt_y+.1"/>
+                                          </p:val>
+                                        </p:tav>
+                                        <p:tav tm="100000">
+                                          <p:val>
+                                            <p:strVal val="#ppt_y"/>
+                                          </p:val>
+                                        </p:tav>
+                                      </p:tavLst>
+                                    </p:anim>
+                                  </p:childTnLst>
+                                </p:cTn>
+                              </p:par>
+                            </p:childTnLst>
+                          </p:cTn>
+                        </p:par>
+                      </p:childTnLst>
+                    </p:cTn>
+                  </p:par>
                 </p:childTnLst>
               </p:cTn>
               <p:prevCondLst>
@@ -15888,6 +16224,7 @@
       <p:bldP spid="5" grpId="0"/>
       <p:bldP spid="6" grpId="0"/>
       <p:bldP spid="7" grpId="0"/>
+      <p:bldP spid="3" grpId="0"/>
     </p:bldLst>
   </p:timing>
 </p:sld>
@@ -17591,6 +17928,966 @@
 </p:sld>
 </file>
 
+<file path=ppt/slides/slide7.xml><?xml version="1.0" encoding="utf-8"?>
+<p:sld xmlns:a="http://schemas.openxmlformats.org/drawingml/2006/main" xmlns:r="http://schemas.openxmlformats.org/officeDocument/2006/relationships" xmlns:p="http://schemas.openxmlformats.org/presentationml/2006/main">
+  <p:cSld>
+    <p:spTree>
+      <p:nvGrpSpPr>
+        <p:cNvPr id="1" name=""/>
+        <p:cNvGrpSpPr/>
+        <p:nvPr/>
+      </p:nvGrpSpPr>
+      <p:grpSpPr>
+        <a:xfrm>
+          <a:off x="0" y="0"/>
+          <a:ext cx="0" cy="0"/>
+          <a:chOff x="0" y="0"/>
+          <a:chExt cx="0" cy="0"/>
+        </a:xfrm>
+      </p:grpSpPr>
+      <p:sp>
+        <p:nvSpPr>
+          <p:cNvPr id="2" name="Título 1">
+            <a:extLst>
+              <a:ext uri="{FF2B5EF4-FFF2-40B4-BE49-F238E27FC236}">
+                <a16:creationId xmlns:a16="http://schemas.microsoft.com/office/drawing/2014/main" id="{29D87CD5-D904-63C1-33E6-248F1009EE4C}"/>
+              </a:ext>
+            </a:extLst>
+          </p:cNvPr>
+          <p:cNvSpPr>
+            <a:spLocks noGrp="1"/>
+          </p:cNvSpPr>
+          <p:nvPr>
+            <p:ph type="title"/>
+          </p:nvPr>
+        </p:nvSpPr>
+        <p:spPr/>
+        <p:txBody>
+          <a:bodyPr/>
+          <a:lstStyle/>
+          <a:p>
+            <a:r>
+              <a:rPr lang="en-US" dirty="0" err="1"/>
+              <a:t>Criação</a:t>
+            </a:r>
+            <a:r>
+              <a:rPr lang="en-US" dirty="0"/>
+              <a:t> do </a:t>
+            </a:r>
+            <a:r>
+              <a:rPr lang="en-US" dirty="0" err="1"/>
+              <a:t>modelo</a:t>
+            </a:r>
+            <a:endParaRPr lang="en-US" dirty="0"/>
+          </a:p>
+        </p:txBody>
+      </p:sp>
+      <p:pic>
+        <p:nvPicPr>
+          <p:cNvPr id="7" name="Imagem 6" descr="Uma imagem com texto, captura de ecrã, diagrama, Retângulo&#10;&#10;Descrição gerada automaticamente">
+            <a:extLst>
+              <a:ext uri="{FF2B5EF4-FFF2-40B4-BE49-F238E27FC236}">
+                <a16:creationId xmlns:a16="http://schemas.microsoft.com/office/drawing/2014/main" id="{795324A0-0C68-3CFD-D9C8-D1E7A64BF2E5}"/>
+              </a:ext>
+            </a:extLst>
+          </p:cNvPr>
+          <p:cNvPicPr>
+            <a:picLocks noChangeAspect="1"/>
+          </p:cNvPicPr>
+          <p:nvPr/>
+        </p:nvPicPr>
+        <p:blipFill>
+          <a:blip r:embed="rId3">
+            <a:extLst>
+              <a:ext uri="{28A0092B-C50C-407E-A947-70E740481C1C}">
+                <a14:useLocalDpi xmlns:a14="http://schemas.microsoft.com/office/drawing/2010/main" val="0"/>
+              </a:ext>
+            </a:extLst>
+          </a:blip>
+          <a:stretch>
+            <a:fillRect/>
+          </a:stretch>
+        </p:blipFill>
+        <p:spPr>
+          <a:xfrm>
+            <a:off x="2947814" y="1895707"/>
+            <a:ext cx="6764724" cy="4120724"/>
+          </a:xfrm>
+          <a:prstGeom prst="rect">
+            <a:avLst/>
+          </a:prstGeom>
+        </p:spPr>
+      </p:pic>
+    </p:spTree>
+    <p:extLst>
+      <p:ext uri="{BB962C8B-B14F-4D97-AF65-F5344CB8AC3E}">
+        <p14:creationId xmlns:p14="http://schemas.microsoft.com/office/powerpoint/2010/main" val="322393945"/>
+      </p:ext>
+    </p:extLst>
+  </p:cSld>
+  <p:clrMapOvr>
+    <a:masterClrMapping/>
+  </p:clrMapOvr>
+  <p:timing>
+    <p:tnLst>
+      <p:par>
+        <p:cTn id="1" dur="indefinite" restart="never" nodeType="tmRoot">
+          <p:childTnLst>
+            <p:seq concurrent="1" nextAc="seek">
+              <p:cTn id="2" dur="indefinite" nodeType="mainSeq">
+                <p:childTnLst>
+                  <p:par>
+                    <p:cTn id="3" fill="hold">
+                      <p:stCondLst>
+                        <p:cond delay="indefinite"/>
+                      </p:stCondLst>
+                      <p:childTnLst>
+                        <p:par>
+                          <p:cTn id="4" fill="hold">
+                            <p:stCondLst>
+                              <p:cond delay="0"/>
+                            </p:stCondLst>
+                            <p:childTnLst>
+                              <p:par>
+                                <p:cTn id="5" presetID="42" presetClass="entr" presetSubtype="0" fill="hold" nodeType="clickEffect">
+                                  <p:stCondLst>
+                                    <p:cond delay="0"/>
+                                  </p:stCondLst>
+                                  <p:childTnLst>
+                                    <p:set>
+                                      <p:cBhvr>
+                                        <p:cTn id="6" dur="1" fill="hold">
+                                          <p:stCondLst>
+                                            <p:cond delay="0"/>
+                                          </p:stCondLst>
+                                        </p:cTn>
+                                        <p:tgtEl>
+                                          <p:spTgt spid="7"/>
+                                        </p:tgtEl>
+                                        <p:attrNameLst>
+                                          <p:attrName>style.visibility</p:attrName>
+                                        </p:attrNameLst>
+                                      </p:cBhvr>
+                                      <p:to>
+                                        <p:strVal val="visible"/>
+                                      </p:to>
+                                    </p:set>
+                                    <p:animEffect transition="in" filter="fade">
+                                      <p:cBhvr>
+                                        <p:cTn id="7" dur="1000"/>
+                                        <p:tgtEl>
+                                          <p:spTgt spid="7"/>
+                                        </p:tgtEl>
+                                      </p:cBhvr>
+                                    </p:animEffect>
+                                    <p:anim calcmode="lin" valueType="num">
+                                      <p:cBhvr>
+                                        <p:cTn id="8" dur="1000" fill="hold"/>
+                                        <p:tgtEl>
+                                          <p:spTgt spid="7"/>
+                                        </p:tgtEl>
+                                        <p:attrNameLst>
+                                          <p:attrName>ppt_x</p:attrName>
+                                        </p:attrNameLst>
+                                      </p:cBhvr>
+                                      <p:tavLst>
+                                        <p:tav tm="0">
+                                          <p:val>
+                                            <p:strVal val="#ppt_x"/>
+                                          </p:val>
+                                        </p:tav>
+                                        <p:tav tm="100000">
+                                          <p:val>
+                                            <p:strVal val="#ppt_x"/>
+                                          </p:val>
+                                        </p:tav>
+                                      </p:tavLst>
+                                    </p:anim>
+                                    <p:anim calcmode="lin" valueType="num">
+                                      <p:cBhvr>
+                                        <p:cTn id="9" dur="1000" fill="hold"/>
+                                        <p:tgtEl>
+                                          <p:spTgt spid="7"/>
+                                        </p:tgtEl>
+                                        <p:attrNameLst>
+                                          <p:attrName>ppt_y</p:attrName>
+                                        </p:attrNameLst>
+                                      </p:cBhvr>
+                                      <p:tavLst>
+                                        <p:tav tm="0">
+                                          <p:val>
+                                            <p:strVal val="#ppt_y+.1"/>
+                                          </p:val>
+                                        </p:tav>
+                                        <p:tav tm="100000">
+                                          <p:val>
+                                            <p:strVal val="#ppt_y"/>
+                                          </p:val>
+                                        </p:tav>
+                                      </p:tavLst>
+                                    </p:anim>
+                                  </p:childTnLst>
+                                </p:cTn>
+                              </p:par>
+                            </p:childTnLst>
+                          </p:cTn>
+                        </p:par>
+                      </p:childTnLst>
+                    </p:cTn>
+                  </p:par>
+                </p:childTnLst>
+              </p:cTn>
+              <p:prevCondLst>
+                <p:cond evt="onPrev" delay="0">
+                  <p:tgtEl>
+                    <p:sldTgt/>
+                  </p:tgtEl>
+                </p:cond>
+              </p:prevCondLst>
+              <p:nextCondLst>
+                <p:cond evt="onNext" delay="0">
+                  <p:tgtEl>
+                    <p:sldTgt/>
+                  </p:tgtEl>
+                </p:cond>
+              </p:nextCondLst>
+            </p:seq>
+          </p:childTnLst>
+        </p:cTn>
+      </p:par>
+    </p:tnLst>
+  </p:timing>
+</p:sld>
+</file>
+
+<file path=ppt/slides/slide8.xml><?xml version="1.0" encoding="utf-8"?>
+<p:sld xmlns:a="http://schemas.openxmlformats.org/drawingml/2006/main" xmlns:r="http://schemas.openxmlformats.org/officeDocument/2006/relationships" xmlns:p="http://schemas.openxmlformats.org/presentationml/2006/main">
+  <p:cSld>
+    <p:spTree>
+      <p:nvGrpSpPr>
+        <p:cNvPr id="1" name=""/>
+        <p:cNvGrpSpPr/>
+        <p:nvPr/>
+      </p:nvGrpSpPr>
+      <p:grpSpPr>
+        <a:xfrm>
+          <a:off x="0" y="0"/>
+          <a:ext cx="0" cy="0"/>
+          <a:chOff x="0" y="0"/>
+          <a:chExt cx="0" cy="0"/>
+        </a:xfrm>
+      </p:grpSpPr>
+      <p:sp>
+        <p:nvSpPr>
+          <p:cNvPr id="2" name="Título 1">
+            <a:extLst>
+              <a:ext uri="{FF2B5EF4-FFF2-40B4-BE49-F238E27FC236}">
+                <a16:creationId xmlns:a16="http://schemas.microsoft.com/office/drawing/2014/main" id="{29D87CD5-D904-63C1-33E6-248F1009EE4C}"/>
+              </a:ext>
+            </a:extLst>
+          </p:cNvPr>
+          <p:cNvSpPr>
+            <a:spLocks noGrp="1"/>
+          </p:cNvSpPr>
+          <p:nvPr>
+            <p:ph type="title"/>
+          </p:nvPr>
+        </p:nvSpPr>
+        <p:spPr/>
+        <p:txBody>
+          <a:bodyPr/>
+          <a:lstStyle/>
+          <a:p>
+            <a:r>
+              <a:rPr lang="pt-PT" dirty="0"/>
+              <a:t>Análise dos resultados</a:t>
+            </a:r>
+            <a:endParaRPr lang="en-US" dirty="0"/>
+          </a:p>
+        </p:txBody>
+      </p:sp>
+      <p:sp>
+        <p:nvSpPr>
+          <p:cNvPr id="9" name="CaixaDeTexto 8">
+            <a:extLst>
+              <a:ext uri="{FF2B5EF4-FFF2-40B4-BE49-F238E27FC236}">
+                <a16:creationId xmlns:a16="http://schemas.microsoft.com/office/drawing/2014/main" id="{F5B34DCC-74AB-048A-B648-3E96A79F5D3E}"/>
+              </a:ext>
+            </a:extLst>
+          </p:cNvPr>
+          <p:cNvSpPr txBox="1"/>
+          <p:nvPr/>
+        </p:nvSpPr>
+        <p:spPr>
+          <a:xfrm>
+            <a:off x="1315089" y="3311852"/>
+            <a:ext cx="5376793" cy="369332"/>
+          </a:xfrm>
+          <a:prstGeom prst="rect">
+            <a:avLst/>
+          </a:prstGeom>
+          <a:noFill/>
+        </p:spPr>
+        <p:txBody>
+          <a:bodyPr wrap="none" rtlCol="0">
+            <a:spAutoFit/>
+          </a:bodyPr>
+          <a:lstStyle/>
+          <a:p>
+            <a:r>
+              <a:rPr lang="pt-PT" dirty="0"/>
+              <a:t>Comparar os resultados com outros projetos semelhantes</a:t>
+            </a:r>
+            <a:endParaRPr lang="en-US" dirty="0"/>
+          </a:p>
+        </p:txBody>
+      </p:sp>
+      <p:sp>
+        <p:nvSpPr>
+          <p:cNvPr id="10" name="CaixaDeTexto 9">
+            <a:extLst>
+              <a:ext uri="{FF2B5EF4-FFF2-40B4-BE49-F238E27FC236}">
+                <a16:creationId xmlns:a16="http://schemas.microsoft.com/office/drawing/2014/main" id="{CD0E4FF0-AF3A-94AC-7996-C359E488A7D9}"/>
+              </a:ext>
+            </a:extLst>
+          </p:cNvPr>
+          <p:cNvSpPr txBox="1"/>
+          <p:nvPr/>
+        </p:nvSpPr>
+        <p:spPr>
+          <a:xfrm>
+            <a:off x="1315090" y="2080912"/>
+            <a:ext cx="6689652" cy="646331"/>
+          </a:xfrm>
+          <a:prstGeom prst="rect">
+            <a:avLst/>
+          </a:prstGeom>
+          <a:noFill/>
+        </p:spPr>
+        <p:txBody>
+          <a:bodyPr wrap="none" rtlCol="0">
+            <a:spAutoFit/>
+          </a:bodyPr>
+          <a:lstStyle/>
+          <a:p>
+            <a:r>
+              <a:rPr lang="pt-PT" dirty="0"/>
+              <a:t>Analisar os resultados obtidos nos testes com diferentes parâmetros </a:t>
+            </a:r>
+            <a:endParaRPr lang="en-US" dirty="0"/>
+          </a:p>
+          <a:p>
+            <a:r>
+              <a:rPr lang="pt-PT" dirty="0"/>
+              <a:t> </a:t>
+            </a:r>
+            <a:endParaRPr lang="en-US" dirty="0"/>
+          </a:p>
+        </p:txBody>
+      </p:sp>
+      <p:sp>
+        <p:nvSpPr>
+          <p:cNvPr id="12" name="CaixaDeTexto 11">
+            <a:extLst>
+              <a:ext uri="{FF2B5EF4-FFF2-40B4-BE49-F238E27FC236}">
+                <a16:creationId xmlns:a16="http://schemas.microsoft.com/office/drawing/2014/main" id="{7DA3E033-7419-3E8D-8925-B0B989F84FAD}"/>
+              </a:ext>
+            </a:extLst>
+          </p:cNvPr>
+          <p:cNvSpPr txBox="1"/>
+          <p:nvPr/>
+        </p:nvSpPr>
+        <p:spPr>
+          <a:xfrm>
+            <a:off x="1315090" y="2681697"/>
+            <a:ext cx="2847254" cy="369332"/>
+          </a:xfrm>
+          <a:prstGeom prst="rect">
+            <a:avLst/>
+          </a:prstGeom>
+          <a:noFill/>
+        </p:spPr>
+        <p:txBody>
+          <a:bodyPr wrap="none" rtlCol="0">
+            <a:spAutoFit/>
+          </a:bodyPr>
+          <a:lstStyle/>
+          <a:p>
+            <a:r>
+              <a:rPr lang="pt-PT" dirty="0"/>
+              <a:t>Identificar pontos a melhorar</a:t>
+            </a:r>
+            <a:endParaRPr lang="en-US" dirty="0"/>
+          </a:p>
+        </p:txBody>
+      </p:sp>
+    </p:spTree>
+    <p:extLst>
+      <p:ext uri="{BB962C8B-B14F-4D97-AF65-F5344CB8AC3E}">
+        <p14:creationId xmlns:p14="http://schemas.microsoft.com/office/powerpoint/2010/main" val="983358423"/>
+      </p:ext>
+    </p:extLst>
+  </p:cSld>
+  <p:clrMapOvr>
+    <a:masterClrMapping/>
+  </p:clrMapOvr>
+  <p:timing>
+    <p:tnLst>
+      <p:par>
+        <p:cTn id="1" dur="indefinite" restart="never" nodeType="tmRoot">
+          <p:childTnLst>
+            <p:seq concurrent="1" nextAc="seek">
+              <p:cTn id="2" dur="indefinite" nodeType="mainSeq">
+                <p:childTnLst>
+                  <p:par>
+                    <p:cTn id="3" fill="hold">
+                      <p:stCondLst>
+                        <p:cond delay="indefinite"/>
+                      </p:stCondLst>
+                      <p:childTnLst>
+                        <p:par>
+                          <p:cTn id="4" fill="hold">
+                            <p:stCondLst>
+                              <p:cond delay="0"/>
+                            </p:stCondLst>
+                            <p:childTnLst>
+                              <p:par>
+                                <p:cTn id="5" presetID="42" presetClass="entr" presetSubtype="0" fill="hold" grpId="0" nodeType="clickEffect">
+                                  <p:stCondLst>
+                                    <p:cond delay="0"/>
+                                  </p:stCondLst>
+                                  <p:childTnLst>
+                                    <p:set>
+                                      <p:cBhvr>
+                                        <p:cTn id="6" dur="1" fill="hold">
+                                          <p:stCondLst>
+                                            <p:cond delay="0"/>
+                                          </p:stCondLst>
+                                        </p:cTn>
+                                        <p:tgtEl>
+                                          <p:spTgt spid="10"/>
+                                        </p:tgtEl>
+                                        <p:attrNameLst>
+                                          <p:attrName>style.visibility</p:attrName>
+                                        </p:attrNameLst>
+                                      </p:cBhvr>
+                                      <p:to>
+                                        <p:strVal val="visible"/>
+                                      </p:to>
+                                    </p:set>
+                                    <p:animEffect transition="in" filter="fade">
+                                      <p:cBhvr>
+                                        <p:cTn id="7" dur="1000"/>
+                                        <p:tgtEl>
+                                          <p:spTgt spid="10"/>
+                                        </p:tgtEl>
+                                      </p:cBhvr>
+                                    </p:animEffect>
+                                    <p:anim calcmode="lin" valueType="num">
+                                      <p:cBhvr>
+                                        <p:cTn id="8" dur="1000" fill="hold"/>
+                                        <p:tgtEl>
+                                          <p:spTgt spid="10"/>
+                                        </p:tgtEl>
+                                        <p:attrNameLst>
+                                          <p:attrName>ppt_x</p:attrName>
+                                        </p:attrNameLst>
+                                      </p:cBhvr>
+                                      <p:tavLst>
+                                        <p:tav tm="0">
+                                          <p:val>
+                                            <p:strVal val="#ppt_x"/>
+                                          </p:val>
+                                        </p:tav>
+                                        <p:tav tm="100000">
+                                          <p:val>
+                                            <p:strVal val="#ppt_x"/>
+                                          </p:val>
+                                        </p:tav>
+                                      </p:tavLst>
+                                    </p:anim>
+                                    <p:anim calcmode="lin" valueType="num">
+                                      <p:cBhvr>
+                                        <p:cTn id="9" dur="1000" fill="hold"/>
+                                        <p:tgtEl>
+                                          <p:spTgt spid="10"/>
+                                        </p:tgtEl>
+                                        <p:attrNameLst>
+                                          <p:attrName>ppt_y</p:attrName>
+                                        </p:attrNameLst>
+                                      </p:cBhvr>
+                                      <p:tavLst>
+                                        <p:tav tm="0">
+                                          <p:val>
+                                            <p:strVal val="#ppt_y+.1"/>
+                                          </p:val>
+                                        </p:tav>
+                                        <p:tav tm="100000">
+                                          <p:val>
+                                            <p:strVal val="#ppt_y"/>
+                                          </p:val>
+                                        </p:tav>
+                                      </p:tavLst>
+                                    </p:anim>
+                                  </p:childTnLst>
+                                </p:cTn>
+                              </p:par>
+                            </p:childTnLst>
+                          </p:cTn>
+                        </p:par>
+                      </p:childTnLst>
+                    </p:cTn>
+                  </p:par>
+                  <p:par>
+                    <p:cTn id="10" fill="hold">
+                      <p:stCondLst>
+                        <p:cond delay="indefinite"/>
+                      </p:stCondLst>
+                      <p:childTnLst>
+                        <p:par>
+                          <p:cTn id="11" fill="hold">
+                            <p:stCondLst>
+                              <p:cond delay="0"/>
+                            </p:stCondLst>
+                            <p:childTnLst>
+                              <p:par>
+                                <p:cTn id="12" presetID="42" presetClass="entr" presetSubtype="0" fill="hold" grpId="0" nodeType="clickEffect">
+                                  <p:stCondLst>
+                                    <p:cond delay="0"/>
+                                  </p:stCondLst>
+                                  <p:childTnLst>
+                                    <p:set>
+                                      <p:cBhvr>
+                                        <p:cTn id="13" dur="1" fill="hold">
+                                          <p:stCondLst>
+                                            <p:cond delay="0"/>
+                                          </p:stCondLst>
+                                        </p:cTn>
+                                        <p:tgtEl>
+                                          <p:spTgt spid="12"/>
+                                        </p:tgtEl>
+                                        <p:attrNameLst>
+                                          <p:attrName>style.visibility</p:attrName>
+                                        </p:attrNameLst>
+                                      </p:cBhvr>
+                                      <p:to>
+                                        <p:strVal val="visible"/>
+                                      </p:to>
+                                    </p:set>
+                                    <p:animEffect transition="in" filter="fade">
+                                      <p:cBhvr>
+                                        <p:cTn id="14" dur="1000"/>
+                                        <p:tgtEl>
+                                          <p:spTgt spid="12"/>
+                                        </p:tgtEl>
+                                      </p:cBhvr>
+                                    </p:animEffect>
+                                    <p:anim calcmode="lin" valueType="num">
+                                      <p:cBhvr>
+                                        <p:cTn id="15" dur="1000" fill="hold"/>
+                                        <p:tgtEl>
+                                          <p:spTgt spid="12"/>
+                                        </p:tgtEl>
+                                        <p:attrNameLst>
+                                          <p:attrName>ppt_x</p:attrName>
+                                        </p:attrNameLst>
+                                      </p:cBhvr>
+                                      <p:tavLst>
+                                        <p:tav tm="0">
+                                          <p:val>
+                                            <p:strVal val="#ppt_x"/>
+                                          </p:val>
+                                        </p:tav>
+                                        <p:tav tm="100000">
+                                          <p:val>
+                                            <p:strVal val="#ppt_x"/>
+                                          </p:val>
+                                        </p:tav>
+                                      </p:tavLst>
+                                    </p:anim>
+                                    <p:anim calcmode="lin" valueType="num">
+                                      <p:cBhvr>
+                                        <p:cTn id="16" dur="1000" fill="hold"/>
+                                        <p:tgtEl>
+                                          <p:spTgt spid="12"/>
+                                        </p:tgtEl>
+                                        <p:attrNameLst>
+                                          <p:attrName>ppt_y</p:attrName>
+                                        </p:attrNameLst>
+                                      </p:cBhvr>
+                                      <p:tavLst>
+                                        <p:tav tm="0">
+                                          <p:val>
+                                            <p:strVal val="#ppt_y+.1"/>
+                                          </p:val>
+                                        </p:tav>
+                                        <p:tav tm="100000">
+                                          <p:val>
+                                            <p:strVal val="#ppt_y"/>
+                                          </p:val>
+                                        </p:tav>
+                                      </p:tavLst>
+                                    </p:anim>
+                                  </p:childTnLst>
+                                </p:cTn>
+                              </p:par>
+                            </p:childTnLst>
+                          </p:cTn>
+                        </p:par>
+                      </p:childTnLst>
+                    </p:cTn>
+                  </p:par>
+                  <p:par>
+                    <p:cTn id="17" fill="hold">
+                      <p:stCondLst>
+                        <p:cond delay="indefinite"/>
+                      </p:stCondLst>
+                      <p:childTnLst>
+                        <p:par>
+                          <p:cTn id="18" fill="hold">
+                            <p:stCondLst>
+                              <p:cond delay="0"/>
+                            </p:stCondLst>
+                            <p:childTnLst>
+                              <p:par>
+                                <p:cTn id="19" presetID="42" presetClass="entr" presetSubtype="0" fill="hold" grpId="0" nodeType="clickEffect">
+                                  <p:stCondLst>
+                                    <p:cond delay="0"/>
+                                  </p:stCondLst>
+                                  <p:childTnLst>
+                                    <p:set>
+                                      <p:cBhvr>
+                                        <p:cTn id="20" dur="1" fill="hold">
+                                          <p:stCondLst>
+                                            <p:cond delay="0"/>
+                                          </p:stCondLst>
+                                        </p:cTn>
+                                        <p:tgtEl>
+                                          <p:spTgt spid="9"/>
+                                        </p:tgtEl>
+                                        <p:attrNameLst>
+                                          <p:attrName>style.visibility</p:attrName>
+                                        </p:attrNameLst>
+                                      </p:cBhvr>
+                                      <p:to>
+                                        <p:strVal val="visible"/>
+                                      </p:to>
+                                    </p:set>
+                                    <p:animEffect transition="in" filter="fade">
+                                      <p:cBhvr>
+                                        <p:cTn id="21" dur="1000"/>
+                                        <p:tgtEl>
+                                          <p:spTgt spid="9"/>
+                                        </p:tgtEl>
+                                      </p:cBhvr>
+                                    </p:animEffect>
+                                    <p:anim calcmode="lin" valueType="num">
+                                      <p:cBhvr>
+                                        <p:cTn id="22" dur="1000" fill="hold"/>
+                                        <p:tgtEl>
+                                          <p:spTgt spid="9"/>
+                                        </p:tgtEl>
+                                        <p:attrNameLst>
+                                          <p:attrName>ppt_x</p:attrName>
+                                        </p:attrNameLst>
+                                      </p:cBhvr>
+                                      <p:tavLst>
+                                        <p:tav tm="0">
+                                          <p:val>
+                                            <p:strVal val="#ppt_x"/>
+                                          </p:val>
+                                        </p:tav>
+                                        <p:tav tm="100000">
+                                          <p:val>
+                                            <p:strVal val="#ppt_x"/>
+                                          </p:val>
+                                        </p:tav>
+                                      </p:tavLst>
+                                    </p:anim>
+                                    <p:anim calcmode="lin" valueType="num">
+                                      <p:cBhvr>
+                                        <p:cTn id="23" dur="1000" fill="hold"/>
+                                        <p:tgtEl>
+                                          <p:spTgt spid="9"/>
+                                        </p:tgtEl>
+                                        <p:attrNameLst>
+                                          <p:attrName>ppt_y</p:attrName>
+                                        </p:attrNameLst>
+                                      </p:cBhvr>
+                                      <p:tavLst>
+                                        <p:tav tm="0">
+                                          <p:val>
+                                            <p:strVal val="#ppt_y+.1"/>
+                                          </p:val>
+                                        </p:tav>
+                                        <p:tav tm="100000">
+                                          <p:val>
+                                            <p:strVal val="#ppt_y"/>
+                                          </p:val>
+                                        </p:tav>
+                                      </p:tavLst>
+                                    </p:anim>
+                                  </p:childTnLst>
+                                </p:cTn>
+                              </p:par>
+                            </p:childTnLst>
+                          </p:cTn>
+                        </p:par>
+                      </p:childTnLst>
+                    </p:cTn>
+                  </p:par>
+                </p:childTnLst>
+              </p:cTn>
+              <p:prevCondLst>
+                <p:cond evt="onPrev" delay="0">
+                  <p:tgtEl>
+                    <p:sldTgt/>
+                  </p:tgtEl>
+                </p:cond>
+              </p:prevCondLst>
+              <p:nextCondLst>
+                <p:cond evt="onNext" delay="0">
+                  <p:tgtEl>
+                    <p:sldTgt/>
+                  </p:tgtEl>
+                </p:cond>
+              </p:nextCondLst>
+            </p:seq>
+          </p:childTnLst>
+        </p:cTn>
+      </p:par>
+    </p:tnLst>
+    <p:bldLst>
+      <p:bldP spid="9" grpId="0"/>
+      <p:bldP spid="10" grpId="0"/>
+      <p:bldP spid="12" grpId="0"/>
+    </p:bldLst>
+  </p:timing>
+</p:sld>
+</file>
+
+<file path=ppt/slides/slide9.xml><?xml version="1.0" encoding="utf-8"?>
+<p:sld xmlns:a="http://schemas.openxmlformats.org/drawingml/2006/main" xmlns:r="http://schemas.openxmlformats.org/officeDocument/2006/relationships" xmlns:p="http://schemas.openxmlformats.org/presentationml/2006/main">
+  <p:cSld>
+    <p:spTree>
+      <p:nvGrpSpPr>
+        <p:cNvPr id="1" name=""/>
+        <p:cNvGrpSpPr/>
+        <p:nvPr/>
+      </p:nvGrpSpPr>
+      <p:grpSpPr>
+        <a:xfrm>
+          <a:off x="0" y="0"/>
+          <a:ext cx="0" cy="0"/>
+          <a:chOff x="0" y="0"/>
+          <a:chExt cx="0" cy="0"/>
+        </a:xfrm>
+      </p:grpSpPr>
+      <p:sp>
+        <p:nvSpPr>
+          <p:cNvPr id="2" name="Título 1">
+            <a:extLst>
+              <a:ext uri="{FF2B5EF4-FFF2-40B4-BE49-F238E27FC236}">
+                <a16:creationId xmlns:a16="http://schemas.microsoft.com/office/drawing/2014/main" id="{0986000B-679B-C5E3-0248-787A2842DFB5}"/>
+              </a:ext>
+            </a:extLst>
+          </p:cNvPr>
+          <p:cNvSpPr>
+            <a:spLocks noGrp="1"/>
+          </p:cNvSpPr>
+          <p:nvPr>
+            <p:ph type="title"/>
+          </p:nvPr>
+        </p:nvSpPr>
+        <p:spPr/>
+        <p:txBody>
+          <a:bodyPr/>
+          <a:lstStyle/>
+          <a:p>
+            <a:r>
+              <a:rPr lang="pt-PT" dirty="0"/>
+              <a:t>Plano de trabalho</a:t>
+            </a:r>
+          </a:p>
+        </p:txBody>
+      </p:sp>
+      <p:pic>
+        <p:nvPicPr>
+          <p:cNvPr id="9" name="Marcador de Posição de Conteúdo 8" descr="Uma imagem com texto, file, Gráfico, número&#10;&#10;Descrição gerada automaticamente">
+            <a:extLst>
+              <a:ext uri="{FF2B5EF4-FFF2-40B4-BE49-F238E27FC236}">
+                <a16:creationId xmlns:a16="http://schemas.microsoft.com/office/drawing/2014/main" id="{C28F273F-C2C2-9E6E-CCDB-4DADDC5E7829}"/>
+              </a:ext>
+            </a:extLst>
+          </p:cNvPr>
+          <p:cNvPicPr>
+            <a:picLocks noGrp="1" noChangeAspect="1"/>
+          </p:cNvPicPr>
+          <p:nvPr>
+            <p:ph idx="1"/>
+          </p:nvPr>
+        </p:nvPicPr>
+        <p:blipFill>
+          <a:blip r:embed="rId2">
+            <a:extLst>
+              <a:ext uri="{28A0092B-C50C-407E-A947-70E740481C1C}">
+                <a14:useLocalDpi xmlns:a14="http://schemas.microsoft.com/office/drawing/2010/main" val="0"/>
+              </a:ext>
+            </a:extLst>
+          </a:blip>
+          <a:stretch>
+            <a:fillRect/>
+          </a:stretch>
+        </p:blipFill>
+        <p:spPr>
+          <a:xfrm>
+            <a:off x="858644" y="2425511"/>
+            <a:ext cx="10588353" cy="2547933"/>
+          </a:xfrm>
+        </p:spPr>
+      </p:pic>
+    </p:spTree>
+    <p:extLst>
+      <p:ext uri="{BB962C8B-B14F-4D97-AF65-F5344CB8AC3E}">
+        <p14:creationId xmlns:p14="http://schemas.microsoft.com/office/powerpoint/2010/main" val="338845565"/>
+      </p:ext>
+    </p:extLst>
+  </p:cSld>
+  <p:clrMapOvr>
+    <a:masterClrMapping/>
+  </p:clrMapOvr>
+  <p:timing>
+    <p:tnLst>
+      <p:par>
+        <p:cTn id="1" dur="indefinite" restart="never" nodeType="tmRoot">
+          <p:childTnLst>
+            <p:seq concurrent="1" nextAc="seek">
+              <p:cTn id="2" dur="indefinite" nodeType="mainSeq">
+                <p:childTnLst>
+                  <p:par>
+                    <p:cTn id="3" fill="hold">
+                      <p:stCondLst>
+                        <p:cond delay="indefinite"/>
+                      </p:stCondLst>
+                      <p:childTnLst>
+                        <p:par>
+                          <p:cTn id="4" fill="hold">
+                            <p:stCondLst>
+                              <p:cond delay="0"/>
+                            </p:stCondLst>
+                            <p:childTnLst>
+                              <p:par>
+                                <p:cTn id="5" presetID="42" presetClass="entr" presetSubtype="0" fill="hold" nodeType="clickEffect">
+                                  <p:stCondLst>
+                                    <p:cond delay="0"/>
+                                  </p:stCondLst>
+                                  <p:childTnLst>
+                                    <p:set>
+                                      <p:cBhvr>
+                                        <p:cTn id="6" dur="1" fill="hold">
+                                          <p:stCondLst>
+                                            <p:cond delay="0"/>
+                                          </p:stCondLst>
+                                        </p:cTn>
+                                        <p:tgtEl>
+                                          <p:spTgt spid="9"/>
+                                        </p:tgtEl>
+                                        <p:attrNameLst>
+                                          <p:attrName>style.visibility</p:attrName>
+                                        </p:attrNameLst>
+                                      </p:cBhvr>
+                                      <p:to>
+                                        <p:strVal val="visible"/>
+                                      </p:to>
+                                    </p:set>
+                                    <p:animEffect transition="in" filter="fade">
+                                      <p:cBhvr>
+                                        <p:cTn id="7" dur="1000"/>
+                                        <p:tgtEl>
+                                          <p:spTgt spid="9"/>
+                                        </p:tgtEl>
+                                      </p:cBhvr>
+                                    </p:animEffect>
+                                    <p:anim calcmode="lin" valueType="num">
+                                      <p:cBhvr>
+                                        <p:cTn id="8" dur="1000" fill="hold"/>
+                                        <p:tgtEl>
+                                          <p:spTgt spid="9"/>
+                                        </p:tgtEl>
+                                        <p:attrNameLst>
+                                          <p:attrName>ppt_x</p:attrName>
+                                        </p:attrNameLst>
+                                      </p:cBhvr>
+                                      <p:tavLst>
+                                        <p:tav tm="0">
+                                          <p:val>
+                                            <p:strVal val="#ppt_x"/>
+                                          </p:val>
+                                        </p:tav>
+                                        <p:tav tm="100000">
+                                          <p:val>
+                                            <p:strVal val="#ppt_x"/>
+                                          </p:val>
+                                        </p:tav>
+                                      </p:tavLst>
+                                    </p:anim>
+                                    <p:anim calcmode="lin" valueType="num">
+                                      <p:cBhvr>
+                                        <p:cTn id="9" dur="1000" fill="hold"/>
+                                        <p:tgtEl>
+                                          <p:spTgt spid="9"/>
+                                        </p:tgtEl>
+                                        <p:attrNameLst>
+                                          <p:attrName>ppt_y</p:attrName>
+                                        </p:attrNameLst>
+                                      </p:cBhvr>
+                                      <p:tavLst>
+                                        <p:tav tm="0">
+                                          <p:val>
+                                            <p:strVal val="#ppt_y+.1"/>
+                                          </p:val>
+                                        </p:tav>
+                                        <p:tav tm="100000">
+                                          <p:val>
+                                            <p:strVal val="#ppt_y"/>
+                                          </p:val>
+                                        </p:tav>
+                                      </p:tavLst>
+                                    </p:anim>
+                                  </p:childTnLst>
+                                </p:cTn>
+                              </p:par>
+                            </p:childTnLst>
+                          </p:cTn>
+                        </p:par>
+                      </p:childTnLst>
+                    </p:cTn>
+                  </p:par>
+                </p:childTnLst>
+              </p:cTn>
+              <p:prevCondLst>
+                <p:cond evt="onPrev" delay="0">
+                  <p:tgtEl>
+                    <p:sldTgt/>
+                  </p:tgtEl>
+                </p:cond>
+              </p:prevCondLst>
+              <p:nextCondLst>
+                <p:cond evt="onNext" delay="0">
+                  <p:tgtEl>
+                    <p:sldTgt/>
+                  </p:tgtEl>
+                </p:cond>
+              </p:nextCondLst>
+            </p:seq>
+          </p:childTnLst>
+        </p:cTn>
+      </p:par>
+    </p:tnLst>
+  </p:timing>
+</p:sld>
+</file>
+
 <file path=ppt/theme/theme1.xml><?xml version="1.0" encoding="utf-8"?>
 <a:theme xmlns:a="http://schemas.openxmlformats.org/drawingml/2006/main" name="Circuito">
   <a:themeElements>
